--- a/MyLearnings/Cloud Computing with Azure/Terraform Packer and Golden Image/PPT for Class/Class4- Local vs Remote provisioner.pptx
+++ b/MyLearnings/Cloud Computing with Azure/Terraform Packer and Golden Image/PPT for Class/Class4- Local vs Remote provisioner.pptx
@@ -10,6 +10,7 @@
     <p:sldId id="256" r:id="rId4"/>
     <p:sldId id="260" r:id="rId5"/>
     <p:sldId id="261" r:id="rId6"/>
+    <p:sldId id="262" r:id="rId7"/>
   </p:sldIdLst>
   <p:sldSz cx="12192000" cy="6858000"/>
   <p:notesSz cx="6858000" cy="9144000"/>
@@ -108,6 +109,11 @@
       </a:defRPr>
     </a:lvl9pPr>
   </p:defaultTextStyle>
+  <p:extLst>
+    <p:ext uri="{EFAFB233-063F-42B5-8137-9DF3F51BA10A}">
+      <p15:sldGuideLst xmlns:p15="http://schemas.microsoft.com/office/powerpoint/2012/main"/>
+    </p:ext>
+  </p:extLst>
 </p:presentation>
 </file>
 
@@ -260,7 +266,7 @@
           <a:p>
             <a:fld id="{3BD04CFB-573A-4385-8AC9-6BD495894DDD}" type="datetimeFigureOut">
               <a:rPr lang="en-IN" smtClean="0"/>
-              <a:t>16-06-2024</a:t>
+              <a:t>25-06-2024</a:t>
             </a:fld>
             <a:endParaRPr lang="en-IN"/>
           </a:p>
@@ -460,7 +466,7 @@
           <a:p>
             <a:fld id="{3BD04CFB-573A-4385-8AC9-6BD495894DDD}" type="datetimeFigureOut">
               <a:rPr lang="en-IN" smtClean="0"/>
-              <a:t>16-06-2024</a:t>
+              <a:t>25-06-2024</a:t>
             </a:fld>
             <a:endParaRPr lang="en-IN"/>
           </a:p>
@@ -670,7 +676,7 @@
           <a:p>
             <a:fld id="{3BD04CFB-573A-4385-8AC9-6BD495894DDD}" type="datetimeFigureOut">
               <a:rPr lang="en-IN" smtClean="0"/>
-              <a:t>16-06-2024</a:t>
+              <a:t>25-06-2024</a:t>
             </a:fld>
             <a:endParaRPr lang="en-IN"/>
           </a:p>
@@ -870,7 +876,7 @@
           <a:p>
             <a:fld id="{3BD04CFB-573A-4385-8AC9-6BD495894DDD}" type="datetimeFigureOut">
               <a:rPr lang="en-IN" smtClean="0"/>
-              <a:t>16-06-2024</a:t>
+              <a:t>25-06-2024</a:t>
             </a:fld>
             <a:endParaRPr lang="en-IN"/>
           </a:p>
@@ -1146,7 +1152,7 @@
           <a:p>
             <a:fld id="{3BD04CFB-573A-4385-8AC9-6BD495894DDD}" type="datetimeFigureOut">
               <a:rPr lang="en-IN" smtClean="0"/>
-              <a:t>16-06-2024</a:t>
+              <a:t>25-06-2024</a:t>
             </a:fld>
             <a:endParaRPr lang="en-IN"/>
           </a:p>
@@ -1414,7 +1420,7 @@
           <a:p>
             <a:fld id="{3BD04CFB-573A-4385-8AC9-6BD495894DDD}" type="datetimeFigureOut">
               <a:rPr lang="en-IN" smtClean="0"/>
-              <a:t>16-06-2024</a:t>
+              <a:t>25-06-2024</a:t>
             </a:fld>
             <a:endParaRPr lang="en-IN"/>
           </a:p>
@@ -1829,7 +1835,7 @@
           <a:p>
             <a:fld id="{3BD04CFB-573A-4385-8AC9-6BD495894DDD}" type="datetimeFigureOut">
               <a:rPr lang="en-IN" smtClean="0"/>
-              <a:t>16-06-2024</a:t>
+              <a:t>25-06-2024</a:t>
             </a:fld>
             <a:endParaRPr lang="en-IN"/>
           </a:p>
@@ -1971,7 +1977,7 @@
           <a:p>
             <a:fld id="{3BD04CFB-573A-4385-8AC9-6BD495894DDD}" type="datetimeFigureOut">
               <a:rPr lang="en-IN" smtClean="0"/>
-              <a:t>16-06-2024</a:t>
+              <a:t>25-06-2024</a:t>
             </a:fld>
             <a:endParaRPr lang="en-IN"/>
           </a:p>
@@ -2084,7 +2090,7 @@
           <a:p>
             <a:fld id="{3BD04CFB-573A-4385-8AC9-6BD495894DDD}" type="datetimeFigureOut">
               <a:rPr lang="en-IN" smtClean="0"/>
-              <a:t>16-06-2024</a:t>
+              <a:t>25-06-2024</a:t>
             </a:fld>
             <a:endParaRPr lang="en-IN"/>
           </a:p>
@@ -2397,7 +2403,7 @@
           <a:p>
             <a:fld id="{3BD04CFB-573A-4385-8AC9-6BD495894DDD}" type="datetimeFigureOut">
               <a:rPr lang="en-IN" smtClean="0"/>
-              <a:t>16-06-2024</a:t>
+              <a:t>25-06-2024</a:t>
             </a:fld>
             <a:endParaRPr lang="en-IN"/>
           </a:p>
@@ -2686,7 +2692,7 @@
           <a:p>
             <a:fld id="{3BD04CFB-573A-4385-8AC9-6BD495894DDD}" type="datetimeFigureOut">
               <a:rPr lang="en-IN" smtClean="0"/>
-              <a:t>16-06-2024</a:t>
+              <a:t>25-06-2024</a:t>
             </a:fld>
             <a:endParaRPr lang="en-IN"/>
           </a:p>
@@ -2929,7 +2935,7 @@
           <a:p>
             <a:fld id="{3BD04CFB-573A-4385-8AC9-6BD495894DDD}" type="datetimeFigureOut">
               <a:rPr lang="en-IN" smtClean="0"/>
-              <a:t>16-06-2024</a:t>
+              <a:t>25-06-2024</a:t>
             </a:fld>
             <a:endParaRPr lang="en-IN"/>
           </a:p>
@@ -3741,6 +3747,139 @@
 </p:sld>
 </file>
 
+<file path=ppt/slides/slide6.xml><?xml version="1.0" encoding="utf-8"?>
+<p:sld xmlns:a="http://schemas.openxmlformats.org/drawingml/2006/main" xmlns:r="http://schemas.openxmlformats.org/officeDocument/2006/relationships" xmlns:p="http://schemas.openxmlformats.org/presentationml/2006/main">
+  <p:cSld>
+    <p:spTree>
+      <p:nvGrpSpPr>
+        <p:cNvPr id="1" name=""/>
+        <p:cNvGrpSpPr/>
+        <p:nvPr/>
+      </p:nvGrpSpPr>
+      <p:grpSpPr>
+        <a:xfrm>
+          <a:off x="0" y="0"/>
+          <a:ext cx="0" cy="0"/>
+          <a:chOff x="0" y="0"/>
+          <a:chExt cx="0" cy="0"/>
+        </a:xfrm>
+      </p:grpSpPr>
+      <p:sp>
+        <p:nvSpPr>
+          <p:cNvPr id="2" name="Title 1">
+            <a:extLst>
+              <a:ext uri="{FF2B5EF4-FFF2-40B4-BE49-F238E27FC236}">
+                <a16:creationId xmlns:a16="http://schemas.microsoft.com/office/drawing/2014/main" id="{7E958AF9-023D-8055-7EB6-2CC6DA8C4ACC}"/>
+              </a:ext>
+            </a:extLst>
+          </p:cNvPr>
+          <p:cNvSpPr>
+            <a:spLocks noGrp="1"/>
+          </p:cNvSpPr>
+          <p:nvPr>
+            <p:ph type="title"/>
+          </p:nvPr>
+        </p:nvSpPr>
+        <p:spPr/>
+        <p:txBody>
+          <a:bodyPr/>
+          <a:lstStyle/>
+          <a:p>
+            <a:r>
+              <a:rPr lang="en-IN" dirty="0"/>
+              <a:t>Links</a:t>
+            </a:r>
+          </a:p>
+        </p:txBody>
+      </p:sp>
+      <p:sp>
+        <p:nvSpPr>
+          <p:cNvPr id="3" name="Content Placeholder 2">
+            <a:extLst>
+              <a:ext uri="{FF2B5EF4-FFF2-40B4-BE49-F238E27FC236}">
+                <a16:creationId xmlns:a16="http://schemas.microsoft.com/office/drawing/2014/main" id="{1A9AE23F-E8EC-365D-16D7-837B08FBE08E}"/>
+              </a:ext>
+            </a:extLst>
+          </p:cNvPr>
+          <p:cNvSpPr>
+            <a:spLocks noGrp="1"/>
+          </p:cNvSpPr>
+          <p:nvPr>
+            <p:ph idx="1"/>
+          </p:nvPr>
+        </p:nvSpPr>
+        <p:spPr/>
+        <p:txBody>
+          <a:bodyPr/>
+          <a:lstStyle/>
+          <a:p>
+            <a:pPr marL="0" indent="0">
+              <a:buNone/>
+            </a:pPr>
+            <a:r>
+              <a:rPr lang="en-IN" b="1" dirty="0"/>
+              <a:t>Remote Provisioner: </a:t>
+            </a:r>
+            <a:r>
+              <a:rPr lang="en-IN" dirty="0">
+                <a:hlinkClick r:id="rId2"/>
+              </a:rPr>
+              <a:t>https://developer.hashicorp.com/terraform/language/resources/provisioners/remote-exec</a:t>
+            </a:r>
+            <a:endParaRPr lang="en-IN" dirty="0"/>
+          </a:p>
+          <a:p>
+            <a:pPr marL="0" indent="0">
+              <a:buNone/>
+            </a:pPr>
+            <a:endParaRPr lang="en-IN" dirty="0"/>
+          </a:p>
+          <a:p>
+            <a:pPr marL="0" indent="0">
+              <a:buNone/>
+            </a:pPr>
+            <a:r>
+              <a:rPr lang="en-IN" b="1" dirty="0"/>
+              <a:t>Local Provisioner</a:t>
+            </a:r>
+            <a:r>
+              <a:rPr lang="en-IN" dirty="0"/>
+              <a:t>:</a:t>
+            </a:r>
+          </a:p>
+          <a:p>
+            <a:pPr marL="0" indent="0">
+              <a:buNone/>
+            </a:pPr>
+            <a:r>
+              <a:rPr lang="en-IN">
+                <a:hlinkClick r:id="rId3"/>
+              </a:rPr>
+              <a:t>https://developer.hashicorp.com/terraform/language/resources/provisioners/local-exec</a:t>
+            </a:r>
+            <a:endParaRPr lang="en-IN"/>
+          </a:p>
+          <a:p>
+            <a:pPr marL="0" indent="0">
+              <a:buNone/>
+            </a:pPr>
+            <a:endParaRPr lang="en-IN" dirty="0"/>
+          </a:p>
+        </p:txBody>
+      </p:sp>
+    </p:spTree>
+    <p:extLst>
+      <p:ext uri="{BB962C8B-B14F-4D97-AF65-F5344CB8AC3E}">
+        <p14:creationId xmlns:p14="http://schemas.microsoft.com/office/powerpoint/2010/main" val="1241465548"/>
+      </p:ext>
+    </p:extLst>
+  </p:cSld>
+  <p:clrMapOvr>
+    <a:masterClrMapping/>
+  </p:clrMapOvr>
+</p:sld>
+</file>
+
 <file path=ppt/theme/theme1.xml><?xml version="1.0" encoding="utf-8"?>
 <a:theme xmlns:a="http://schemas.openxmlformats.org/drawingml/2006/main" name="Office Theme">
   <a:themeElements>
